--- a/GRAUML/Documentation/GRASubmissionFigures.pptx
+++ b/GRAUML/Documentation/GRASubmissionFigures.pptx
@@ -305,7 +305,7 @@
           <a:p>
             <a:fld id="{3F6DE654-41F2-4137-AA12-8023740195D5}" type="datetimeFigureOut">
               <a:rPr lang="en-US" smtClean="0"/>
-              <a:t>7/3/2014</a:t>
+              <a:t>7/29/2014</a:t>
             </a:fld>
             <a:endParaRPr lang="en-US"/>
           </a:p>
@@ -475,7 +475,7 @@
           <a:p>
             <a:fld id="{3F6DE654-41F2-4137-AA12-8023740195D5}" type="datetimeFigureOut">
               <a:rPr lang="en-US" smtClean="0"/>
-              <a:t>7/3/2014</a:t>
+              <a:t>7/29/2014</a:t>
             </a:fld>
             <a:endParaRPr lang="en-US"/>
           </a:p>
@@ -655,7 +655,7 @@
           <a:p>
             <a:fld id="{3F6DE654-41F2-4137-AA12-8023740195D5}" type="datetimeFigureOut">
               <a:rPr lang="en-US" smtClean="0"/>
-              <a:t>7/3/2014</a:t>
+              <a:t>7/29/2014</a:t>
             </a:fld>
             <a:endParaRPr lang="en-US"/>
           </a:p>
@@ -825,7 +825,7 @@
           <a:p>
             <a:fld id="{3F6DE654-41F2-4137-AA12-8023740195D5}" type="datetimeFigureOut">
               <a:rPr lang="en-US" smtClean="0"/>
-              <a:t>7/3/2014</a:t>
+              <a:t>7/29/2014</a:t>
             </a:fld>
             <a:endParaRPr lang="en-US"/>
           </a:p>
@@ -1071,7 +1071,7 @@
           <a:p>
             <a:fld id="{3F6DE654-41F2-4137-AA12-8023740195D5}" type="datetimeFigureOut">
               <a:rPr lang="en-US" smtClean="0"/>
-              <a:t>7/3/2014</a:t>
+              <a:t>7/29/2014</a:t>
             </a:fld>
             <a:endParaRPr lang="en-US"/>
           </a:p>
@@ -1359,7 +1359,7 @@
           <a:p>
             <a:fld id="{3F6DE654-41F2-4137-AA12-8023740195D5}" type="datetimeFigureOut">
               <a:rPr lang="en-US" smtClean="0"/>
-              <a:t>7/3/2014</a:t>
+              <a:t>7/29/2014</a:t>
             </a:fld>
             <a:endParaRPr lang="en-US"/>
           </a:p>
@@ -1781,7 +1781,7 @@
           <a:p>
             <a:fld id="{3F6DE654-41F2-4137-AA12-8023740195D5}" type="datetimeFigureOut">
               <a:rPr lang="en-US" smtClean="0"/>
-              <a:t>7/3/2014</a:t>
+              <a:t>7/29/2014</a:t>
             </a:fld>
             <a:endParaRPr lang="en-US"/>
           </a:p>
@@ -1899,7 +1899,7 @@
           <a:p>
             <a:fld id="{3F6DE654-41F2-4137-AA12-8023740195D5}" type="datetimeFigureOut">
               <a:rPr lang="en-US" smtClean="0"/>
-              <a:t>7/3/2014</a:t>
+              <a:t>7/29/2014</a:t>
             </a:fld>
             <a:endParaRPr lang="en-US"/>
           </a:p>
@@ -1994,7 +1994,7 @@
           <a:p>
             <a:fld id="{3F6DE654-41F2-4137-AA12-8023740195D5}" type="datetimeFigureOut">
               <a:rPr lang="en-US" smtClean="0"/>
-              <a:t>7/3/2014</a:t>
+              <a:t>7/29/2014</a:t>
             </a:fld>
             <a:endParaRPr lang="en-US"/>
           </a:p>
@@ -2271,7 +2271,7 @@
           <a:p>
             <a:fld id="{3F6DE654-41F2-4137-AA12-8023740195D5}" type="datetimeFigureOut">
               <a:rPr lang="en-US" smtClean="0"/>
-              <a:t>7/3/2014</a:t>
+              <a:t>7/29/2014</a:t>
             </a:fld>
             <a:endParaRPr lang="en-US"/>
           </a:p>
@@ -2524,7 +2524,7 @@
           <a:p>
             <a:fld id="{3F6DE654-41F2-4137-AA12-8023740195D5}" type="datetimeFigureOut">
               <a:rPr lang="en-US" smtClean="0"/>
-              <a:t>7/3/2014</a:t>
+              <a:t>7/29/2014</a:t>
             </a:fld>
             <a:endParaRPr lang="en-US"/>
           </a:p>
@@ -2737,7 +2737,7 @@
           <a:p>
             <a:fld id="{3F6DE654-41F2-4137-AA12-8023740195D5}" type="datetimeFigureOut">
               <a:rPr lang="en-US" smtClean="0"/>
-              <a:t>7/3/2014</a:t>
+              <a:t>7/29/2014</a:t>
             </a:fld>
             <a:endParaRPr lang="en-US"/>
           </a:p>
@@ -3369,7 +3369,11 @@
               <a:pPr algn="ctr"/>
               <a:r>
                 <a:rPr lang="en-US" dirty="0" smtClean="0"/>
-                <a:t>QVT Pre-Provisioning</a:t>
+                <a:t>QVT </a:t>
+              </a:r>
+              <a:r>
+                <a:rPr lang="en-US" dirty="0" smtClean="0"/>
+                <a:t>Phase-1</a:t>
               </a:r>
               <a:endParaRPr lang="en-US" dirty="0"/>
             </a:p>
@@ -3416,7 +3420,11 @@
               <a:pPr algn="ctr"/>
               <a:r>
                 <a:rPr lang="en-US" dirty="0" smtClean="0"/>
-                <a:t>XSLT Post-Provisioning</a:t>
+                <a:t>XSLT </a:t>
+              </a:r>
+              <a:r>
+                <a:rPr lang="en-US" dirty="0" smtClean="0"/>
+                <a:t>Phase-2</a:t>
               </a:r>
               <a:endParaRPr lang="en-US" dirty="0"/>
             </a:p>
